--- a/docs/assets/img/common/facebook_cover.pptx
+++ b/docs/assets/img/common/facebook_cover.pptx
@@ -270,7 +270,7 @@
           <a:p>
             <a:fld id="{1B1D8B58-6E68-9B4E-B22E-270E1493E545}" type="datetimeFigureOut">
               <a:rPr kumimoji="1" lang="ja-JP" altLang="en-US" smtClean="0"/>
-              <a:t>2020/4/2</a:t>
+              <a:t>2020/5/1</a:t>
             </a:fld>
             <a:endParaRPr kumimoji="1" lang="ja-JP" altLang="en-US"/>
           </a:p>
@@ -500,7 +500,7 @@
           <a:p>
             <a:fld id="{1B1D8B58-6E68-9B4E-B22E-270E1493E545}" type="datetimeFigureOut">
               <a:rPr kumimoji="1" lang="ja-JP" altLang="en-US" smtClean="0"/>
-              <a:t>2020/4/2</a:t>
+              <a:t>2020/5/1</a:t>
             </a:fld>
             <a:endParaRPr kumimoji="1" lang="ja-JP" altLang="en-US"/>
           </a:p>
@@ -740,7 +740,7 @@
           <a:p>
             <a:fld id="{1B1D8B58-6E68-9B4E-B22E-270E1493E545}" type="datetimeFigureOut">
               <a:rPr kumimoji="1" lang="ja-JP" altLang="en-US" smtClean="0"/>
-              <a:t>2020/4/2</a:t>
+              <a:t>2020/5/1</a:t>
             </a:fld>
             <a:endParaRPr kumimoji="1" lang="ja-JP" altLang="en-US"/>
           </a:p>
@@ -970,7 +970,7 @@
           <a:p>
             <a:fld id="{1B1D8B58-6E68-9B4E-B22E-270E1493E545}" type="datetimeFigureOut">
               <a:rPr kumimoji="1" lang="ja-JP" altLang="en-US" smtClean="0"/>
-              <a:t>2020/4/2</a:t>
+              <a:t>2020/5/1</a:t>
             </a:fld>
             <a:endParaRPr kumimoji="1" lang="ja-JP" altLang="en-US"/>
           </a:p>
@@ -1245,7 +1245,7 @@
           <a:p>
             <a:fld id="{1B1D8B58-6E68-9B4E-B22E-270E1493E545}" type="datetimeFigureOut">
               <a:rPr kumimoji="1" lang="ja-JP" altLang="en-US" smtClean="0"/>
-              <a:t>2020/4/2</a:t>
+              <a:t>2020/5/1</a:t>
             </a:fld>
             <a:endParaRPr kumimoji="1" lang="ja-JP" altLang="en-US"/>
           </a:p>
@@ -1574,7 +1574,7 @@
           <a:p>
             <a:fld id="{1B1D8B58-6E68-9B4E-B22E-270E1493E545}" type="datetimeFigureOut">
               <a:rPr kumimoji="1" lang="ja-JP" altLang="en-US" smtClean="0"/>
-              <a:t>2020/4/2</a:t>
+              <a:t>2020/5/1</a:t>
             </a:fld>
             <a:endParaRPr kumimoji="1" lang="ja-JP" altLang="en-US"/>
           </a:p>
@@ -2050,7 +2050,7 @@
           <a:p>
             <a:fld id="{1B1D8B58-6E68-9B4E-B22E-270E1493E545}" type="datetimeFigureOut">
               <a:rPr kumimoji="1" lang="ja-JP" altLang="en-US" smtClean="0"/>
-              <a:t>2020/4/2</a:t>
+              <a:t>2020/5/1</a:t>
             </a:fld>
             <a:endParaRPr kumimoji="1" lang="ja-JP" altLang="en-US"/>
           </a:p>
@@ -2191,7 +2191,7 @@
           <a:p>
             <a:fld id="{1B1D8B58-6E68-9B4E-B22E-270E1493E545}" type="datetimeFigureOut">
               <a:rPr kumimoji="1" lang="ja-JP" altLang="en-US" smtClean="0"/>
-              <a:t>2020/4/2</a:t>
+              <a:t>2020/5/1</a:t>
             </a:fld>
             <a:endParaRPr kumimoji="1" lang="ja-JP" altLang="en-US"/>
           </a:p>
@@ -2304,7 +2304,7 @@
           <a:p>
             <a:fld id="{1B1D8B58-6E68-9B4E-B22E-270E1493E545}" type="datetimeFigureOut">
               <a:rPr kumimoji="1" lang="ja-JP" altLang="en-US" smtClean="0"/>
-              <a:t>2020/4/2</a:t>
+              <a:t>2020/5/1</a:t>
             </a:fld>
             <a:endParaRPr kumimoji="1" lang="ja-JP" altLang="en-US"/>
           </a:p>
@@ -2647,7 +2647,7 @@
           <a:p>
             <a:fld id="{1B1D8B58-6E68-9B4E-B22E-270E1493E545}" type="datetimeFigureOut">
               <a:rPr kumimoji="1" lang="ja-JP" altLang="en-US" smtClean="0"/>
-              <a:t>2020/4/2</a:t>
+              <a:t>2020/5/1</a:t>
             </a:fld>
             <a:endParaRPr kumimoji="1" lang="ja-JP" altLang="en-US"/>
           </a:p>
@@ -2935,7 +2935,7 @@
           <a:p>
             <a:fld id="{1B1D8B58-6E68-9B4E-B22E-270E1493E545}" type="datetimeFigureOut">
               <a:rPr kumimoji="1" lang="ja-JP" altLang="en-US" smtClean="0"/>
-              <a:t>2020/4/2</a:t>
+              <a:t>2020/5/1</a:t>
             </a:fld>
             <a:endParaRPr kumimoji="1" lang="ja-JP" altLang="en-US"/>
           </a:p>
@@ -3208,7 +3208,7 @@
           <a:p>
             <a:fld id="{1B1D8B58-6E68-9B4E-B22E-270E1493E545}" type="datetimeFigureOut">
               <a:rPr kumimoji="1" lang="ja-JP" altLang="en-US" smtClean="0"/>
-              <a:t>2020/4/2</a:t>
+              <a:t>2020/5/1</a:t>
             </a:fld>
             <a:endParaRPr kumimoji="1" lang="ja-JP" altLang="en-US"/>
           </a:p>
@@ -3625,6 +3625,52 @@
           <a:chExt cx="0" cy="0"/>
         </a:xfrm>
       </p:grpSpPr>
+      <p:sp>
+        <p:nvSpPr>
+          <p:cNvPr id="2" name="正方形/長方形 1">
+            <a:extLst>
+              <a:ext uri="{FF2B5EF4-FFF2-40B4-BE49-F238E27FC236}">
+                <a16:creationId xmlns:a16="http://schemas.microsoft.com/office/drawing/2014/main" id="{8F6FAE4E-9B60-4014-B67A-1076B66B568E}"/>
+              </a:ext>
+            </a:extLst>
+          </p:cNvPr>
+          <p:cNvSpPr/>
+          <p:nvPr/>
+        </p:nvSpPr>
+        <p:spPr>
+          <a:xfrm>
+            <a:off x="75501" y="0"/>
+            <a:ext cx="12365372" cy="6954473"/>
+          </a:xfrm>
+          <a:prstGeom prst="rect">
+            <a:avLst/>
+          </a:prstGeom>
+        </p:spPr>
+        <p:style>
+          <a:lnRef idx="2">
+            <a:schemeClr val="accent1">
+              <a:shade val="50000"/>
+            </a:schemeClr>
+          </a:lnRef>
+          <a:fillRef idx="1">
+            <a:schemeClr val="accent1"/>
+          </a:fillRef>
+          <a:effectRef idx="0">
+            <a:schemeClr val="accent1"/>
+          </a:effectRef>
+          <a:fontRef idx="minor">
+            <a:schemeClr val="lt1"/>
+          </a:fontRef>
+        </p:style>
+        <p:txBody>
+          <a:bodyPr rtlCol="0" anchor="ctr"/>
+          <a:lstStyle/>
+          <a:p>
+            <a:pPr algn="ctr"/>
+            <a:endParaRPr kumimoji="1" lang="ja-JP" altLang="en-US"/>
+          </a:p>
+        </p:txBody>
+      </p:sp>
       <p:grpSp>
         <p:nvGrpSpPr>
           <p:cNvPr id="5" name="グループ化 4">
@@ -3639,10 +3685,10 @@
         </p:nvGrpSpPr>
         <p:grpSpPr>
           <a:xfrm>
-            <a:off x="1141365" y="2644170"/>
-            <a:ext cx="5445685" cy="1569660"/>
-            <a:chOff x="1258139" y="4242774"/>
-            <a:chExt cx="5445685" cy="1569660"/>
+            <a:off x="1208477" y="2501557"/>
+            <a:ext cx="5378573" cy="1569660"/>
+            <a:chOff x="1325251" y="4242774"/>
+            <a:chExt cx="5378573" cy="1569660"/>
           </a:xfrm>
         </p:grpSpPr>
         <p:sp>
@@ -3749,13 +3795,22 @@
                 <a:t>    </a:t>
               </a:r>
               <a:r>
+                <a:rPr lang="en-US" altLang="ja-JP" sz="3200" b="1" i="1" dirty="0">
+                  <a:solidFill>
+                    <a:schemeClr val="bg1"/>
+                  </a:solidFill>
+                  <a:latin typeface="CMR12"/>
+                </a:rPr>
+                <a:t>R</a:t>
+              </a:r>
+              <a:r>
                 <a:rPr lang="en-US" altLang="ja-JP" sz="3200" i="1" dirty="0">
                   <a:solidFill>
                     <a:schemeClr val="bg1"/>
                   </a:solidFill>
                   <a:latin typeface="CMR12"/>
                 </a:rPr>
-                <a:t>Reasoning </a:t>
+                <a:t>easoning </a:t>
               </a:r>
               <a:r>
                 <a:rPr lang="en-US" altLang="ja-JP" sz="3200" b="1" i="1" dirty="0">
@@ -3804,8 +3859,8 @@
           </p:blipFill>
           <p:spPr>
             <a:xfrm>
-              <a:off x="1258139" y="4419324"/>
-              <a:ext cx="1433881" cy="1216560"/>
+              <a:off x="1325251" y="4484416"/>
+              <a:ext cx="1337385" cy="1134689"/>
             </a:xfrm>
             <a:prstGeom prst="rect">
               <a:avLst/>
